--- a/Tally to Zoho conversion/Tally to Zoho project.pptx
+++ b/Tally to Zoho conversion/Tally to Zoho project.pptx
@@ -114,6 +114,11 @@
       </a:defRPr>
     </a:lvl9pPr>
   </p:defaultTextStyle>
+  <p:extLst>
+    <p:ext uri="{EFAFB233-063F-42B5-8137-9DF3F51BA10A}">
+      <p15:sldGuideLst xmlns:p15="http://schemas.microsoft.com/office/powerpoint/2012/main"/>
+    </p:ext>
+  </p:extLst>
 </p:presentation>
 </file>
 
@@ -269,9 +274,9 @@
           <a:p>
             <a:fld id="{6B10B4A3-F371-462F-9EC3-3AB88C6DBD35}" type="datetimeFigureOut">
               <a:rPr lang="en-IN" smtClean="0"/>
-              <a:t>25-12-2023</a:t>
+              <a:t>26-12-2023</a:t>
             </a:fld>
-            <a:endParaRPr lang="en-IN"/>
+            <a:endParaRPr lang="en-IN" dirty="0"/>
           </a:p>
         </p:txBody>
       </p:sp>
@@ -290,7 +295,7 @@
           <a:bodyPr/>
           <a:lstStyle/>
           <a:p>
-            <a:endParaRPr lang="en-IN"/>
+            <a:endParaRPr lang="en-IN" dirty="0"/>
           </a:p>
         </p:txBody>
       </p:sp>
@@ -313,7 +318,7 @@
               <a:rPr lang="en-IN" smtClean="0"/>
               <a:t>‹#›</a:t>
             </a:fld>
-            <a:endParaRPr lang="en-IN"/>
+            <a:endParaRPr lang="en-IN" dirty="0"/>
           </a:p>
         </p:txBody>
       </p:sp>
@@ -522,9 +527,9 @@
           <a:p>
             <a:fld id="{6B10B4A3-F371-462F-9EC3-3AB88C6DBD35}" type="datetimeFigureOut">
               <a:rPr lang="en-IN" smtClean="0"/>
-              <a:t>25-12-2023</a:t>
+              <a:t>26-12-2023</a:t>
             </a:fld>
-            <a:endParaRPr lang="en-IN"/>
+            <a:endParaRPr lang="en-IN" dirty="0"/>
           </a:p>
         </p:txBody>
       </p:sp>
@@ -543,7 +548,7 @@
           <a:bodyPr/>
           <a:lstStyle/>
           <a:p>
-            <a:endParaRPr lang="en-IN"/>
+            <a:endParaRPr lang="en-IN" dirty="0"/>
           </a:p>
         </p:txBody>
       </p:sp>
@@ -566,7 +571,7 @@
               <a:rPr lang="en-IN" smtClean="0"/>
               <a:t>‹#›</a:t>
             </a:fld>
-            <a:endParaRPr lang="en-IN"/>
+            <a:endParaRPr lang="en-IN" dirty="0"/>
           </a:p>
         </p:txBody>
       </p:sp>
@@ -702,9 +707,9 @@
           <a:p>
             <a:fld id="{6B10B4A3-F371-462F-9EC3-3AB88C6DBD35}" type="datetimeFigureOut">
               <a:rPr lang="en-IN" smtClean="0"/>
-              <a:t>25-12-2023</a:t>
+              <a:t>26-12-2023</a:t>
             </a:fld>
-            <a:endParaRPr lang="en-IN"/>
+            <a:endParaRPr lang="en-IN" dirty="0"/>
           </a:p>
         </p:txBody>
       </p:sp>
@@ -723,7 +728,7 @@
           <a:bodyPr/>
           <a:lstStyle/>
           <a:p>
-            <a:endParaRPr lang="en-IN"/>
+            <a:endParaRPr lang="en-IN" dirty="0"/>
           </a:p>
         </p:txBody>
       </p:sp>
@@ -746,7 +751,7 @@
               <a:rPr lang="en-IN" smtClean="0"/>
               <a:t>‹#›</a:t>
             </a:fld>
-            <a:endParaRPr lang="en-IN"/>
+            <a:endParaRPr lang="en-IN" dirty="0"/>
           </a:p>
         </p:txBody>
       </p:sp>
@@ -907,9 +912,9 @@
           <a:p>
             <a:fld id="{6B10B4A3-F371-462F-9EC3-3AB88C6DBD35}" type="datetimeFigureOut">
               <a:rPr lang="en-IN" smtClean="0"/>
-              <a:t>25-12-2023</a:t>
+              <a:t>26-12-2023</a:t>
             </a:fld>
-            <a:endParaRPr lang="en-IN"/>
+            <a:endParaRPr lang="en-IN" dirty="0"/>
           </a:p>
         </p:txBody>
       </p:sp>
@@ -928,7 +933,7 @@
           <a:bodyPr/>
           <a:lstStyle/>
           <a:p>
-            <a:endParaRPr lang="en-IN"/>
+            <a:endParaRPr lang="en-IN" dirty="0"/>
           </a:p>
         </p:txBody>
       </p:sp>
@@ -951,7 +956,7 @@
               <a:rPr lang="en-IN" smtClean="0"/>
               <a:t>‹#›</a:t>
             </a:fld>
-            <a:endParaRPr lang="en-IN"/>
+            <a:endParaRPr lang="en-IN" dirty="0"/>
           </a:p>
         </p:txBody>
       </p:sp>
@@ -1164,9 +1169,9 @@
           <a:p>
             <a:fld id="{6B10B4A3-F371-462F-9EC3-3AB88C6DBD35}" type="datetimeFigureOut">
               <a:rPr lang="en-IN" smtClean="0"/>
-              <a:t>25-12-2023</a:t>
+              <a:t>26-12-2023</a:t>
             </a:fld>
-            <a:endParaRPr lang="en-IN"/>
+            <a:endParaRPr lang="en-IN" dirty="0"/>
           </a:p>
         </p:txBody>
       </p:sp>
@@ -1185,7 +1190,7 @@
           <a:bodyPr/>
           <a:lstStyle/>
           <a:p>
-            <a:endParaRPr lang="en-IN"/>
+            <a:endParaRPr lang="en-IN" dirty="0"/>
           </a:p>
         </p:txBody>
       </p:sp>
@@ -1208,7 +1213,7 @@
               <a:rPr lang="en-IN" smtClean="0"/>
               <a:t>‹#›</a:t>
             </a:fld>
-            <a:endParaRPr lang="en-IN"/>
+            <a:endParaRPr lang="en-IN" dirty="0"/>
           </a:p>
         </p:txBody>
       </p:sp>
@@ -1484,9 +1489,9 @@
           <a:p>
             <a:fld id="{6B10B4A3-F371-462F-9EC3-3AB88C6DBD35}" type="datetimeFigureOut">
               <a:rPr lang="en-IN" smtClean="0"/>
-              <a:t>25-12-2023</a:t>
+              <a:t>26-12-2023</a:t>
             </a:fld>
-            <a:endParaRPr lang="en-IN"/>
+            <a:endParaRPr lang="en-IN" dirty="0"/>
           </a:p>
         </p:txBody>
       </p:sp>
@@ -1505,7 +1510,7 @@
           <a:bodyPr/>
           <a:lstStyle/>
           <a:p>
-            <a:endParaRPr lang="en-IN"/>
+            <a:endParaRPr lang="en-IN" dirty="0"/>
           </a:p>
         </p:txBody>
       </p:sp>
@@ -1528,7 +1533,7 @@
               <a:rPr lang="en-IN" smtClean="0"/>
               <a:t>‹#›</a:t>
             </a:fld>
-            <a:endParaRPr lang="en-IN"/>
+            <a:endParaRPr lang="en-IN" dirty="0"/>
           </a:p>
         </p:txBody>
       </p:sp>
@@ -1882,9 +1887,9 @@
           <a:p>
             <a:fld id="{6B10B4A3-F371-462F-9EC3-3AB88C6DBD35}" type="datetimeFigureOut">
               <a:rPr lang="en-IN" smtClean="0"/>
-              <a:t>25-12-2023</a:t>
+              <a:t>26-12-2023</a:t>
             </a:fld>
-            <a:endParaRPr lang="en-IN"/>
+            <a:endParaRPr lang="en-IN" dirty="0"/>
           </a:p>
         </p:txBody>
       </p:sp>
@@ -1903,7 +1908,7 @@
           <a:bodyPr/>
           <a:lstStyle/>
           <a:p>
-            <a:endParaRPr lang="en-IN"/>
+            <a:endParaRPr lang="en-IN" dirty="0"/>
           </a:p>
         </p:txBody>
       </p:sp>
@@ -1926,7 +1931,7 @@
               <a:rPr lang="en-IN" smtClean="0"/>
               <a:t>‹#›</a:t>
             </a:fld>
-            <a:endParaRPr lang="en-IN"/>
+            <a:endParaRPr lang="en-IN" dirty="0"/>
           </a:p>
         </p:txBody>
       </p:sp>
@@ -2000,9 +2005,9 @@
           <a:p>
             <a:fld id="{6B10B4A3-F371-462F-9EC3-3AB88C6DBD35}" type="datetimeFigureOut">
               <a:rPr lang="en-IN" smtClean="0"/>
-              <a:t>25-12-2023</a:t>
+              <a:t>26-12-2023</a:t>
             </a:fld>
-            <a:endParaRPr lang="en-IN"/>
+            <a:endParaRPr lang="en-IN" dirty="0"/>
           </a:p>
         </p:txBody>
       </p:sp>
@@ -2021,7 +2026,7 @@
           <a:bodyPr/>
           <a:lstStyle/>
           <a:p>
-            <a:endParaRPr lang="en-IN"/>
+            <a:endParaRPr lang="en-IN" dirty="0"/>
           </a:p>
         </p:txBody>
       </p:sp>
@@ -2044,7 +2049,7 @@
               <a:rPr lang="en-IN" smtClean="0"/>
               <a:t>‹#›</a:t>
             </a:fld>
-            <a:endParaRPr lang="en-IN"/>
+            <a:endParaRPr lang="en-IN" dirty="0"/>
           </a:p>
         </p:txBody>
       </p:sp>
@@ -2095,9 +2100,9 @@
           <a:p>
             <a:fld id="{6B10B4A3-F371-462F-9EC3-3AB88C6DBD35}" type="datetimeFigureOut">
               <a:rPr lang="en-IN" smtClean="0"/>
-              <a:t>25-12-2023</a:t>
+              <a:t>26-12-2023</a:t>
             </a:fld>
-            <a:endParaRPr lang="en-IN"/>
+            <a:endParaRPr lang="en-IN" dirty="0"/>
           </a:p>
         </p:txBody>
       </p:sp>
@@ -2116,7 +2121,7 @@
           <a:bodyPr/>
           <a:lstStyle/>
           <a:p>
-            <a:endParaRPr lang="en-IN"/>
+            <a:endParaRPr lang="en-IN" dirty="0"/>
           </a:p>
         </p:txBody>
       </p:sp>
@@ -2139,7 +2144,7 @@
               <a:rPr lang="en-IN" smtClean="0"/>
               <a:t>‹#›</a:t>
             </a:fld>
-            <a:endParaRPr lang="en-IN"/>
+            <a:endParaRPr lang="en-IN" dirty="0"/>
           </a:p>
         </p:txBody>
       </p:sp>
@@ -2385,9 +2390,9 @@
           <a:p>
             <a:fld id="{6B10B4A3-F371-462F-9EC3-3AB88C6DBD35}" type="datetimeFigureOut">
               <a:rPr lang="en-IN" smtClean="0"/>
-              <a:t>25-12-2023</a:t>
+              <a:t>26-12-2023</a:t>
             </a:fld>
-            <a:endParaRPr lang="en-IN"/>
+            <a:endParaRPr lang="en-IN" dirty="0"/>
           </a:p>
         </p:txBody>
       </p:sp>
@@ -2406,7 +2411,7 @@
           <a:bodyPr/>
           <a:lstStyle/>
           <a:p>
-            <a:endParaRPr lang="en-IN"/>
+            <a:endParaRPr lang="en-IN" dirty="0"/>
           </a:p>
         </p:txBody>
       </p:sp>
@@ -2429,7 +2434,7 @@
               <a:rPr lang="en-IN" smtClean="0"/>
               <a:t>‹#›</a:t>
             </a:fld>
-            <a:endParaRPr lang="en-IN"/>
+            <a:endParaRPr lang="en-IN" dirty="0"/>
           </a:p>
         </p:txBody>
       </p:sp>
@@ -2558,10 +2563,9 @@
           </a:lstStyle>
           <a:p>
             <a:r>
-              <a:rPr lang="en-US"/>
+              <a:rPr lang="en-US" dirty="0"/>
               <a:t>Click icon to add picture</a:t>
             </a:r>
-            <a:endParaRPr lang="en-US" dirty="0"/>
           </a:p>
         </p:txBody>
       </p:sp>
@@ -2662,9 +2666,9 @@
           <a:p>
             <a:fld id="{6B10B4A3-F371-462F-9EC3-3AB88C6DBD35}" type="datetimeFigureOut">
               <a:rPr lang="en-IN" smtClean="0"/>
-              <a:t>25-12-2023</a:t>
+              <a:t>26-12-2023</a:t>
             </a:fld>
-            <a:endParaRPr lang="en-IN"/>
+            <a:endParaRPr lang="en-IN" dirty="0"/>
           </a:p>
         </p:txBody>
       </p:sp>
@@ -2683,7 +2687,7 @@
           <a:bodyPr/>
           <a:lstStyle/>
           <a:p>
-            <a:endParaRPr lang="en-IN"/>
+            <a:endParaRPr lang="en-IN" dirty="0"/>
           </a:p>
         </p:txBody>
       </p:sp>
@@ -2706,7 +2710,7 @@
               <a:rPr lang="en-IN" smtClean="0"/>
               <a:t>‹#›</a:t>
             </a:fld>
-            <a:endParaRPr lang="en-IN"/>
+            <a:endParaRPr lang="en-IN" dirty="0"/>
           </a:p>
         </p:txBody>
       </p:sp>
@@ -2912,9 +2916,9 @@
           <a:p>
             <a:fld id="{6B10B4A3-F371-462F-9EC3-3AB88C6DBD35}" type="datetimeFigureOut">
               <a:rPr lang="en-IN" smtClean="0"/>
-              <a:t>25-12-2023</a:t>
+              <a:t>26-12-2023</a:t>
             </a:fld>
-            <a:endParaRPr lang="en-IN"/>
+            <a:endParaRPr lang="en-IN" dirty="0"/>
           </a:p>
         </p:txBody>
       </p:sp>
@@ -2953,7 +2957,7 @@
             </a:lvl1pPr>
           </a:lstStyle>
           <a:p>
-            <a:endParaRPr lang="en-IN"/>
+            <a:endParaRPr lang="en-IN" dirty="0"/>
           </a:p>
         </p:txBody>
       </p:sp>
@@ -2996,7 +3000,7 @@
               <a:rPr lang="en-IN" smtClean="0"/>
               <a:t>‹#›</a:t>
             </a:fld>
-            <a:endParaRPr lang="en-IN"/>
+            <a:endParaRPr lang="en-IN" dirty="0"/>
           </a:p>
         </p:txBody>
       </p:sp>
@@ -3549,23 +3553,13 @@
           <a:p>
             <a:r>
               <a:rPr lang="en-IN" dirty="0"/>
-              <a:t>Please note that the dashboard created is not of Zoho but created in python using DASH framework. However the same can be </a:t>
-            </a:r>
-            <a:r>
-              <a:rPr lang="en-IN" dirty="0" err="1"/>
-              <a:t>integreated</a:t>
-            </a:r>
+              <a:t>Link : https://fin-dashboard-demo.onrender.com</a:t>
+            </a:r>
+          </a:p>
+          <a:p>
             <a:r>
               <a:rPr lang="en-IN" dirty="0"/>
-              <a:t> into Zoho thorough the </a:t>
-            </a:r>
-            <a:r>
-              <a:rPr lang="en-IN" dirty="0" err="1"/>
-              <a:t>Zohos</a:t>
-            </a:r>
-            <a:r>
-              <a:rPr lang="en-IN" dirty="0"/>
-              <a:t> Deluge. </a:t>
+              <a:t>Please note that the dashboard created is not of Zoho but created in python using DASH framework. However the same can be integrated into Zoho thorough the Zoho’s Deluge. </a:t>
             </a:r>
           </a:p>
         </p:txBody>
@@ -4299,7 +4293,7 @@
           <a:bodyPr/>
           <a:lstStyle/>
           <a:p>
-            <a:endParaRPr lang="en-IN"/>
+            <a:endParaRPr lang="en-IN" dirty="0"/>
           </a:p>
         </p:txBody>
       </p:sp>
@@ -4418,15 +4412,7 @@
             </a:pPr>
             <a:r>
               <a:rPr lang="en-IN" dirty="0"/>
-              <a:t>Income by way of Commission not recorded </a:t>
-            </a:r>
-            <a:r>
-              <a:rPr lang="en-IN" dirty="0" err="1"/>
-              <a:t>seperalty</a:t>
-            </a:r>
-            <a:r>
-              <a:rPr lang="en-IN" dirty="0"/>
-              <a:t>.</a:t>
+              <a:t>Income by way of Commission not recorded separately.</a:t>
             </a:r>
           </a:p>
           <a:p>
@@ -4860,15 +4846,7 @@
             </a:pPr>
             <a:r>
               <a:rPr lang="en-IN" dirty="0"/>
-              <a:t>2. Journal Vouchers has be completely sub-</a:t>
-            </a:r>
-            <a:r>
-              <a:rPr lang="en-IN" dirty="0" err="1"/>
-              <a:t>setted</a:t>
-            </a:r>
-            <a:r>
-              <a:rPr lang="en-IN" dirty="0"/>
-              <a:t> and respective receipt/payment/bills and sales effects have been given effect in the Zoho books.</a:t>
+              <a:t>2. Journal Vouchers has be completely sub-set and respective receipt/payment/bills and sales effects have been given effect in the Zoho books.</a:t>
             </a:r>
           </a:p>
           <a:p>
